--- a/assets/pgim.pptx
+++ b/assets/pgim.pptx
@@ -5,10 +5,11 @@
     <p:sldMasterId id="2147483672" r:id="rId1"/>
   </p:sldMasterIdLst>
   <p:notesMasterIdLst>
-    <p:notesMasterId r:id="rId3"/>
+    <p:notesMasterId r:id="rId4"/>
   </p:notesMasterIdLst>
   <p:sldIdLst>
     <p:sldId id="261" r:id="rId2"/>
+    <p:sldId id="262" r:id="rId3"/>
   </p:sldIdLst>
   <p:sldSz cx="19753263" cy="14057313"/>
   <p:notesSz cx="6858000" cy="9144000"/>
@@ -208,7 +209,7 @@
           <a:p>
             <a:fld id="{E43F9390-58C1-AE43-ADB3-568AEC24F038}" type="datetimeFigureOut">
               <a:rPr lang="en-US" smtClean="0"/>
-              <a:t>9/19/19</a:t>
+              <a:t>5/23/20</a:t>
             </a:fld>
             <a:endParaRPr lang="en-US"/>
           </a:p>
@@ -606,7 +607,7 @@
           <a:p>
             <a:fld id="{B011CEFC-CB30-E441-89F5-631517D8E6EE}" type="datetimeFigureOut">
               <a:rPr lang="en-US" smtClean="0"/>
-              <a:t>9/19/19</a:t>
+              <a:t>5/23/20</a:t>
             </a:fld>
             <a:endParaRPr lang="en-US"/>
           </a:p>
@@ -776,7 +777,7 @@
           <a:p>
             <a:fld id="{B011CEFC-CB30-E441-89F5-631517D8E6EE}" type="datetimeFigureOut">
               <a:rPr lang="en-US" smtClean="0"/>
-              <a:t>9/19/19</a:t>
+              <a:t>5/23/20</a:t>
             </a:fld>
             <a:endParaRPr lang="en-US"/>
           </a:p>
@@ -956,7 +957,7 @@
           <a:p>
             <a:fld id="{B011CEFC-CB30-E441-89F5-631517D8E6EE}" type="datetimeFigureOut">
               <a:rPr lang="en-US" smtClean="0"/>
-              <a:t>9/19/19</a:t>
+              <a:t>5/23/20</a:t>
             </a:fld>
             <a:endParaRPr lang="en-US"/>
           </a:p>
@@ -1126,7 +1127,7 @@
           <a:p>
             <a:fld id="{B011CEFC-CB30-E441-89F5-631517D8E6EE}" type="datetimeFigureOut">
               <a:rPr lang="en-US" smtClean="0"/>
-              <a:t>9/19/19</a:t>
+              <a:t>5/23/20</a:t>
             </a:fld>
             <a:endParaRPr lang="en-US"/>
           </a:p>
@@ -1370,7 +1371,7 @@
           <a:p>
             <a:fld id="{B011CEFC-CB30-E441-89F5-631517D8E6EE}" type="datetimeFigureOut">
               <a:rPr lang="en-US" smtClean="0"/>
-              <a:t>9/19/19</a:t>
+              <a:t>5/23/20</a:t>
             </a:fld>
             <a:endParaRPr lang="en-US"/>
           </a:p>
@@ -1602,7 +1603,7 @@
           <a:p>
             <a:fld id="{B011CEFC-CB30-E441-89F5-631517D8E6EE}" type="datetimeFigureOut">
               <a:rPr lang="en-US" smtClean="0"/>
-              <a:t>9/19/19</a:t>
+              <a:t>5/23/20</a:t>
             </a:fld>
             <a:endParaRPr lang="en-US"/>
           </a:p>
@@ -1969,7 +1970,7 @@
           <a:p>
             <a:fld id="{B011CEFC-CB30-E441-89F5-631517D8E6EE}" type="datetimeFigureOut">
               <a:rPr lang="en-US" smtClean="0"/>
-              <a:t>9/19/19</a:t>
+              <a:t>5/23/20</a:t>
             </a:fld>
             <a:endParaRPr lang="en-US"/>
           </a:p>
@@ -2087,7 +2088,7 @@
           <a:p>
             <a:fld id="{B011CEFC-CB30-E441-89F5-631517D8E6EE}" type="datetimeFigureOut">
               <a:rPr lang="en-US" smtClean="0"/>
-              <a:t>9/19/19</a:t>
+              <a:t>5/23/20</a:t>
             </a:fld>
             <a:endParaRPr lang="en-US"/>
           </a:p>
@@ -2182,7 +2183,7 @@
           <a:p>
             <a:fld id="{B011CEFC-CB30-E441-89F5-631517D8E6EE}" type="datetimeFigureOut">
               <a:rPr lang="en-US" smtClean="0"/>
-              <a:t>9/19/19</a:t>
+              <a:t>5/23/20</a:t>
             </a:fld>
             <a:endParaRPr lang="en-US"/>
           </a:p>
@@ -2459,7 +2460,7 @@
           <a:p>
             <a:fld id="{B011CEFC-CB30-E441-89F5-631517D8E6EE}" type="datetimeFigureOut">
               <a:rPr lang="en-US" smtClean="0"/>
-              <a:t>9/19/19</a:t>
+              <a:t>5/23/20</a:t>
             </a:fld>
             <a:endParaRPr lang="en-US"/>
           </a:p>
@@ -2716,7 +2717,7 @@
           <a:p>
             <a:fld id="{B011CEFC-CB30-E441-89F5-631517D8E6EE}" type="datetimeFigureOut">
               <a:rPr lang="en-US" smtClean="0"/>
-              <a:t>9/19/19</a:t>
+              <a:t>5/23/20</a:t>
             </a:fld>
             <a:endParaRPr lang="en-US"/>
           </a:p>
@@ -2929,7 +2930,7 @@
           <a:p>
             <a:fld id="{B011CEFC-CB30-E441-89F5-631517D8E6EE}" type="datetimeFigureOut">
               <a:rPr lang="en-US" smtClean="0"/>
-              <a:t>9/19/19</a:t>
+              <a:t>5/23/20</a:t>
             </a:fld>
             <a:endParaRPr lang="en-US"/>
           </a:p>
@@ -3334,6 +3335,186 @@
           <a:chExt cx="0" cy="0"/>
         </a:xfrm>
       </p:grpSpPr>
+      <p:pic>
+        <p:nvPicPr>
+          <p:cNvPr id="10" name="Picture 9">
+            <a:extLst>
+              <a:ext uri="{FF2B5EF4-FFF2-40B4-BE49-F238E27FC236}">
+                <a16:creationId xmlns:a16="http://schemas.microsoft.com/office/drawing/2014/main" id="{6C7F9D8B-59BB-7445-B39C-CF7BE0A95A8A}"/>
+              </a:ext>
+            </a:extLst>
+          </p:cNvPr>
+          <p:cNvPicPr>
+            <a:picLocks noChangeAspect="1"/>
+          </p:cNvPicPr>
+          <p:nvPr/>
+        </p:nvPicPr>
+        <p:blipFill rotWithShape="1">
+          <a:blip r:embed="rId2">
+            <a:alphaModFix/>
+          </a:blip>
+          <a:srcRect l="2701" t="2593" b="3928"/>
+          <a:stretch/>
+        </p:blipFill>
+        <p:spPr>
+          <a:xfrm>
+            <a:off x="10646961" y="2493817"/>
+            <a:ext cx="7476457" cy="7182807"/>
+          </a:xfrm>
+          <a:prstGeom prst="rect">
+            <a:avLst/>
+          </a:prstGeom>
+        </p:spPr>
+      </p:pic>
+      <p:pic>
+        <p:nvPicPr>
+          <p:cNvPr id="8" name="Picture 7">
+            <a:extLst>
+              <a:ext uri="{FF2B5EF4-FFF2-40B4-BE49-F238E27FC236}">
+                <a16:creationId xmlns:a16="http://schemas.microsoft.com/office/drawing/2014/main" id="{FAC4EA3D-C440-D94F-B36C-7CDF26197013}"/>
+              </a:ext>
+            </a:extLst>
+          </p:cNvPr>
+          <p:cNvPicPr>
+            <a:picLocks noChangeAspect="1"/>
+          </p:cNvPicPr>
+          <p:nvPr/>
+        </p:nvPicPr>
+        <p:blipFill rotWithShape="1">
+          <a:blip r:embed="rId3"/>
+          <a:srcRect l="2979" t="428" b="6362"/>
+          <a:stretch/>
+        </p:blipFill>
+        <p:spPr>
+          <a:xfrm>
+            <a:off x="1780877" y="2493818"/>
+            <a:ext cx="7476457" cy="7182806"/>
+          </a:xfrm>
+          <a:prstGeom prst="rect">
+            <a:avLst/>
+          </a:prstGeom>
+        </p:spPr>
+      </p:pic>
+      <p:sp>
+        <p:nvSpPr>
+          <p:cNvPr id="11" name="TextBox 10">
+            <a:extLst>
+              <a:ext uri="{FF2B5EF4-FFF2-40B4-BE49-F238E27FC236}">
+                <a16:creationId xmlns:a16="http://schemas.microsoft.com/office/drawing/2014/main" id="{5BBDBBE6-74F6-064C-B0B9-64B0014DCD95}"/>
+              </a:ext>
+            </a:extLst>
+          </p:cNvPr>
+          <p:cNvSpPr txBox="1"/>
+          <p:nvPr/>
+        </p:nvSpPr>
+        <p:spPr>
+          <a:xfrm>
+            <a:off x="10646960" y="8686759"/>
+            <a:ext cx="7476457" cy="830997"/>
+          </a:xfrm>
+          <a:prstGeom prst="rect">
+            <a:avLst/>
+          </a:prstGeom>
+          <a:noFill/>
+        </p:spPr>
+        <p:txBody>
+          <a:bodyPr wrap="square" rtlCol="0">
+            <a:spAutoFit/>
+          </a:bodyPr>
+          <a:lstStyle/>
+          <a:p>
+            <a:pPr algn="ctr"/>
+            <a:r>
+              <a:rPr lang="en-US" altLang="zh-CN" sz="4800" dirty="0">
+                <a:latin typeface="Open Sans" panose="020B0606030504020204" pitchFamily="34" charset="0"/>
+                <a:ea typeface="Open Sans" panose="020B0606030504020204" pitchFamily="34" charset="0"/>
+                <a:cs typeface="Open Sans" panose="020B0606030504020204" pitchFamily="34" charset="0"/>
+              </a:rPr>
+              <a:t>Input</a:t>
+            </a:r>
+            <a:endParaRPr lang="en-US" sz="4800" dirty="0">
+              <a:latin typeface="Open Sans" panose="020B0606030504020204" pitchFamily="34" charset="0"/>
+              <a:ea typeface="Open Sans" panose="020B0606030504020204" pitchFamily="34" charset="0"/>
+              <a:cs typeface="Open Sans" panose="020B0606030504020204" pitchFamily="34" charset="0"/>
+            </a:endParaRPr>
+          </a:p>
+        </p:txBody>
+      </p:sp>
+      <p:sp>
+        <p:nvSpPr>
+          <p:cNvPr id="6" name="TextBox 5">
+            <a:extLst>
+              <a:ext uri="{FF2B5EF4-FFF2-40B4-BE49-F238E27FC236}">
+                <a16:creationId xmlns:a16="http://schemas.microsoft.com/office/drawing/2014/main" id="{39617CC9-1BF7-1242-8F9B-0795BEB70D18}"/>
+              </a:ext>
+            </a:extLst>
+          </p:cNvPr>
+          <p:cNvSpPr txBox="1"/>
+          <p:nvPr/>
+        </p:nvSpPr>
+        <p:spPr>
+          <a:xfrm>
+            <a:off x="1780877" y="8686759"/>
+            <a:ext cx="7476456" cy="830997"/>
+          </a:xfrm>
+          <a:prstGeom prst="rect">
+            <a:avLst/>
+          </a:prstGeom>
+          <a:noFill/>
+        </p:spPr>
+        <p:txBody>
+          <a:bodyPr wrap="square" rtlCol="0">
+            <a:spAutoFit/>
+          </a:bodyPr>
+          <a:lstStyle/>
+          <a:p>
+            <a:pPr algn="ctr"/>
+            <a:r>
+              <a:rPr lang="en-US" altLang="zh-CN" sz="4800" dirty="0">
+                <a:latin typeface="Open Sans" panose="020B0606030504020204" pitchFamily="34" charset="0"/>
+                <a:ea typeface="Open Sans" panose="020B0606030504020204" pitchFamily="34" charset="0"/>
+                <a:cs typeface="Open Sans" panose="020B0606030504020204" pitchFamily="34" charset="0"/>
+              </a:rPr>
+              <a:t>Output</a:t>
+            </a:r>
+            <a:endParaRPr lang="en-US" sz="4800" dirty="0">
+              <a:latin typeface="Open Sans" panose="020B0606030504020204" pitchFamily="34" charset="0"/>
+              <a:ea typeface="Open Sans" panose="020B0606030504020204" pitchFamily="34" charset="0"/>
+              <a:cs typeface="Open Sans" panose="020B0606030504020204" pitchFamily="34" charset="0"/>
+            </a:endParaRPr>
+          </a:p>
+        </p:txBody>
+      </p:sp>
+    </p:spTree>
+    <p:extLst>
+      <p:ext uri="{BB962C8B-B14F-4D97-AF65-F5344CB8AC3E}">
+        <p14:creationId xmlns:p14="http://schemas.microsoft.com/office/powerpoint/2010/main" val="500121381"/>
+      </p:ext>
+    </p:extLst>
+  </p:cSld>
+  <p:clrMapOvr>
+    <a:masterClrMapping/>
+  </p:clrMapOvr>
+</p:sld>
+</file>
+
+<file path=ppt/slides/slide2.xml><?xml version="1.0" encoding="utf-8"?>
+<p:sld xmlns:a="http://schemas.openxmlformats.org/drawingml/2006/main" xmlns:r="http://schemas.openxmlformats.org/officeDocument/2006/relationships" xmlns:p="http://schemas.openxmlformats.org/presentationml/2006/main">
+  <p:cSld>
+    <p:spTree>
+      <p:nvGrpSpPr>
+        <p:cNvPr id="1" name=""/>
+        <p:cNvGrpSpPr/>
+        <p:nvPr/>
+      </p:nvGrpSpPr>
+      <p:grpSpPr>
+        <a:xfrm>
+          <a:off x="0" y="0"/>
+          <a:ext cx="0" cy="0"/>
+          <a:chOff x="0" y="0"/>
+          <a:chExt cx="0" cy="0"/>
+        </a:xfrm>
+      </p:grpSpPr>
       <p:grpSp>
         <p:nvGrpSpPr>
           <p:cNvPr id="59" name="Group 58">
@@ -3721,7 +3902,7 @@
     </p:spTree>
     <p:extLst>
       <p:ext uri="{BB962C8B-B14F-4D97-AF65-F5344CB8AC3E}">
-        <p14:creationId xmlns:p14="http://schemas.microsoft.com/office/powerpoint/2010/main" val="500121381"/>
+        <p14:creationId xmlns:p14="http://schemas.microsoft.com/office/powerpoint/2010/main" val="1981480265"/>
       </p:ext>
     </p:extLst>
   </p:cSld>
